--- a/others/20250114_GPS_NRJ.pptx
+++ b/others/20250114_GPS_NRJ.pptx
@@ -15433,7 +15433,7 @@
         </p:nvSpPr>
         <p:spPr>
           <a:xfrm>
-            <a:off x="2396697" y="2365920"/>
+            <a:off x="2394844" y="2389780"/>
             <a:ext cx="1001050" cy="369332"/>
           </a:xfrm>
           <a:prstGeom prst="rect">
@@ -15780,7 +15780,7 @@
         </p:nvSpPr>
         <p:spPr>
           <a:xfrm>
-            <a:off x="3404767" y="2359728"/>
+            <a:off x="3408706" y="2365920"/>
             <a:ext cx="1883044" cy="393192"/>
           </a:xfrm>
           <a:prstGeom prst="roundRect">
@@ -20712,15 +20712,6 @@
 </file>
 
 <file path=customXml/item1.xml><?xml version="1.0" encoding="utf-8"?>
-<?mso-contentType ?>
-<FormTemplates xmlns="http://schemas.microsoft.com/sharepoint/v3/contenttype/forms">
-  <Display>DocumentLibraryForm</Display>
-  <Edit>DocumentLibraryForm</Edit>
-  <New>DocumentLibraryForm</New>
-</FormTemplates>
-</file>
-
-<file path=customXml/item2.xml><?xml version="1.0" encoding="utf-8"?>
 <p:properties xmlns:p="http://schemas.microsoft.com/office/2006/metadata/properties" xmlns:xsi="http://www.w3.org/2001/XMLSchema-instance" xmlns:pc="http://schemas.microsoft.com/office/infopath/2007/PartnerControls">
   <documentManagement>
     <TaxCatchAll xmlns="58c8bab9-9212-4b5d-a134-93943b829900" xsi:nil="true"/>
@@ -20735,6 +20726,15 @@
     <_Flow_SignoffStatus xmlns="50c3a41c-27e2-4383-991d-a30591c39720" xsi:nil="true"/>
   </documentManagement>
 </p:properties>
+</file>
+
+<file path=customXml/item2.xml><?xml version="1.0" encoding="utf-8"?>
+<?mso-contentType ?>
+<FormTemplates xmlns="http://schemas.microsoft.com/sharepoint/v3/contenttype/forms">
+  <Display>DocumentLibraryForm</Display>
+  <Edit>DocumentLibraryForm</Edit>
+  <New>DocumentLibraryForm</New>
+</FormTemplates>
 </file>
 
 <file path=customXml/item3.xml><?xml version="1.0" encoding="utf-8"?>
@@ -21024,14 +21024,6 @@
 </file>
 
 <file path=customXml/itemProps1.xml><?xml version="1.0" encoding="utf-8"?>
-<ds:datastoreItem xmlns:ds="http://schemas.openxmlformats.org/officeDocument/2006/customXml" ds:itemID="{849F78F1-AB73-412D-BD62-E6812BF25EB9}">
-  <ds:schemaRefs>
-    <ds:schemaRef ds:uri="http://schemas.microsoft.com/sharepoint/v3/contenttype/forms"/>
-  </ds:schemaRefs>
-</ds:datastoreItem>
-</file>
-
-<file path=customXml/itemProps2.xml><?xml version="1.0" encoding="utf-8"?>
 <ds:datastoreItem xmlns:ds="http://schemas.openxmlformats.org/officeDocument/2006/customXml" ds:itemID="{860F7B7D-AB32-4F85-A39D-4A9691A932EE}">
   <ds:schemaRefs>
     <ds:schemaRef ds:uri="58c8bab9-9212-4b5d-a134-93943b829900"/>
@@ -21044,6 +21036,14 @@
     <ds:schemaRef ds:uri="50c3a41c-27e2-4383-991d-a30591c39720"/>
     <ds:schemaRef ds:uri="http://schemas.microsoft.com/office/infopath/2007/PartnerControls"/>
     <ds:schemaRef ds:uri="http://purl.org/dc/dcmitype/"/>
+  </ds:schemaRefs>
+</ds:datastoreItem>
+</file>
+
+<file path=customXml/itemProps2.xml><?xml version="1.0" encoding="utf-8"?>
+<ds:datastoreItem xmlns:ds="http://schemas.openxmlformats.org/officeDocument/2006/customXml" ds:itemID="{849F78F1-AB73-412D-BD62-E6812BF25EB9}">
+  <ds:schemaRefs>
+    <ds:schemaRef ds:uri="http://schemas.microsoft.com/sharepoint/v3/contenttype/forms"/>
   </ds:schemaRefs>
 </ds:datastoreItem>
 </file>

--- a/others/20250114_GPS_NRJ.pptx
+++ b/others/20250114_GPS_NRJ.pptx
@@ -242,7 +242,7 @@
           <a:p>
             <a:fld id="{280A2E18-53FF-4F1C-8602-87C7B347980D}" type="datetimeFigureOut">
               <a:rPr lang="fr-FR" smtClean="0"/>
-              <a:t>05/02/2025</a:t>
+              <a:t>12/02/2025</a:t>
             </a:fld>
             <a:endParaRPr lang="fr-FR"/>
           </a:p>
@@ -419,7 +419,7 @@
           <a:p>
             <a:fld id="{FF7CDBEB-76CC-46FD-ABE5-A32B530CFED7}" type="datetimeFigureOut">
               <a:rPr lang="fr-FR" smtClean="0"/>
-              <a:t>05/02/2025</a:t>
+              <a:t>12/02/2025</a:t>
             </a:fld>
             <a:endParaRPr lang="fr-FR"/>
           </a:p>
@@ -12387,19 +12387,6 @@
             </a:pPr>
             <a:r>
               <a:rPr lang="fr-FR" dirty="0"/>
-              <a:t>Automatiser la prise de donnée lors d’une dérive</a:t>
-            </a:r>
-          </a:p>
-          <a:p>
-            <a:pPr marL="285750" indent="-285750">
-              <a:lnSpc>
-                <a:spcPct val="300000"/>
-              </a:lnSpc>
-              <a:buFont typeface="Arial" panose="020B0604020202020204" pitchFamily="34" charset="0"/>
-              <a:buChar char="•"/>
-            </a:pPr>
-            <a:r>
-              <a:rPr lang="fr-FR" dirty="0"/>
               <a:t>Alerter les opérateurs (Pi Vision)</a:t>
             </a:r>
           </a:p>
@@ -12564,8 +12551,8 @@
         </p:nvSpPr>
         <p:spPr>
           <a:xfrm>
-            <a:off x="614363" y="1827929"/>
-            <a:ext cx="4633772" cy="3686774"/>
+            <a:off x="614363" y="1261002"/>
+            <a:ext cx="7139750" cy="2460609"/>
           </a:xfrm>
         </p:spPr>
         <p:txBody>
@@ -12587,12 +12574,12 @@
           <a:p>
             <a:pPr marL="971550" lvl="1" indent="-285750">
               <a:lnSpc>
-                <a:spcPct val="150000"/>
+                <a:spcPct val="100000"/>
               </a:lnSpc>
             </a:pPr>
             <a:r>
               <a:rPr lang="fr-FR" dirty="0"/>
-              <a:t>Collecte de données de consommation</a:t>
+              <a:t>Collecte de données de consommation machine</a:t>
             </a:r>
           </a:p>
           <a:p>
@@ -12603,7 +12590,7 @@
             </a:pPr>
             <a:r>
               <a:rPr lang="fr-FR" dirty="0"/>
-              <a:t>Détecter les dérives</a:t>
+              <a:t>Etablir un repère de consommation machine</a:t>
             </a:r>
           </a:p>
           <a:p>
@@ -12614,7 +12601,7 @@
             </a:pPr>
             <a:r>
               <a:rPr lang="fr-FR" dirty="0"/>
-              <a:t>Identifier les causes</a:t>
+              <a:t>Identifier les dérives machine</a:t>
             </a:r>
           </a:p>
           <a:p>
@@ -12694,8 +12681,8 @@
         </p:nvSpPr>
         <p:spPr>
           <a:xfrm>
-            <a:off x="5552644" y="1827927"/>
-            <a:ext cx="4633772" cy="3686775"/>
+            <a:off x="614363" y="3429000"/>
+            <a:ext cx="5932220" cy="2460609"/>
           </a:xfrm>
           <a:prstGeom prst="rect">
             <a:avLst/>
@@ -12886,7 +12873,7 @@
           <a:p>
             <a:pPr marL="971550" lvl="1" indent="-285750">
               <a:lnSpc>
-                <a:spcPct val="150000"/>
+                <a:spcPct val="100000"/>
               </a:lnSpc>
             </a:pPr>
             <a:r>
@@ -12913,7 +12900,7 @@
             </a:pPr>
             <a:r>
               <a:rPr lang="fr-FR" dirty="0"/>
-              <a:t>Alerter et automatiser</a:t>
+              <a:t>Recherche des causes</a:t>
             </a:r>
           </a:p>
         </p:txBody>
@@ -15371,16 +15358,8 @@
           </a:prstGeom>
           <a:gradFill>
             <a:gsLst>
-              <a:gs pos="98000">
-                <a:schemeClr val="accent1"/>
-              </a:gs>
-              <a:gs pos="97000">
-                <a:schemeClr val="accent6">
-                  <a:lumMod val="100000"/>
-                </a:schemeClr>
-              </a:gs>
               <a:gs pos="100000">
-                <a:srgbClr val="A61928"/>
+                <a:schemeClr val="accent6"/>
               </a:gs>
               <a:gs pos="0">
                 <a:schemeClr val="accent6"/>
@@ -15415,7 +15394,7 @@
           <a:lstStyle/>
           <a:p>
             <a:pPr algn="ctr"/>
-            <a:endParaRPr lang="fr-FR"/>
+            <a:endParaRPr lang="fr-FR" dirty="0"/>
           </a:p>
         </p:txBody>
       </p:sp>
@@ -15504,15 +15483,30 @@
         <p:spPr>
           <a:xfrm>
             <a:off x="3397747" y="2861388"/>
-            <a:ext cx="4075754" cy="393192"/>
+            <a:ext cx="1883043" cy="393192"/>
           </a:xfrm>
           <a:prstGeom prst="roundRect">
             <a:avLst/>
           </a:prstGeom>
+          <a:gradFill>
+            <a:gsLst>
+              <a:gs pos="7000">
+                <a:srgbClr val="76881D"/>
+              </a:gs>
+              <a:gs pos="44845">
+                <a:srgbClr val="9E2B2B"/>
+              </a:gs>
+              <a:gs pos="52000">
+                <a:schemeClr val="accent1"/>
+              </a:gs>
+              <a:gs pos="42000">
+                <a:schemeClr val="accent6"/>
+              </a:gs>
+            </a:gsLst>
+            <a:lin ang="0" scaled="1"/>
+          </a:gradFill>
           <a:ln>
-            <a:solidFill>
-              <a:schemeClr val="accent1"/>
-            </a:solidFill>
+            <a:noFill/>
           </a:ln>
         </p:spPr>
         <p:style>
@@ -15554,8 +15548,8 @@
         </p:nvSpPr>
         <p:spPr>
           <a:xfrm>
-            <a:off x="3633706" y="2843718"/>
-            <a:ext cx="3737728" cy="707886"/>
+            <a:off x="3449398" y="2886530"/>
+            <a:ext cx="1833953" cy="307777"/>
           </a:xfrm>
           <a:prstGeom prst="rect">
             <a:avLst/>
@@ -15569,12 +15563,9 @@
           <a:lstStyle/>
           <a:p>
             <a:r>
-              <a:rPr lang="fr-FR" sz="2000" b="1" dirty="0"/>
-              <a:t>Qualification &amp; Machine Learning</a:t>
+              <a:rPr lang="fr-FR" sz="1400" b="1" dirty="0"/>
+              <a:t>Consommation repère</a:t>
             </a:r>
-          </a:p>
-          <a:p>
-            <a:endParaRPr lang="fr-FR" sz="2000" b="1" dirty="0"/>
           </a:p>
         </p:txBody>
       </p:sp>
@@ -15592,8 +15583,8 @@
         </p:nvSpPr>
         <p:spPr>
           <a:xfrm>
-            <a:off x="3395894" y="3446425"/>
-            <a:ext cx="4077608" cy="393192"/>
+            <a:off x="5349986" y="2859298"/>
+            <a:ext cx="1919793" cy="393192"/>
           </a:xfrm>
           <a:prstGeom prst="roundRect">
             <a:avLst/>
@@ -15643,8 +15634,8 @@
         </p:nvSpPr>
         <p:spPr>
           <a:xfrm>
-            <a:off x="4256238" y="3434927"/>
-            <a:ext cx="2417083" cy="400110"/>
+            <a:off x="5280791" y="2886531"/>
+            <a:ext cx="2076276" cy="307777"/>
           </a:xfrm>
           <a:prstGeom prst="rect">
             <a:avLst/>
@@ -15658,8 +15649,8 @@
           <a:lstStyle/>
           <a:p>
             <a:r>
-              <a:rPr lang="fr-FR" sz="2000" b="1" dirty="0"/>
-              <a:t>Analyse &amp; Scénarios</a:t>
+              <a:rPr lang="fr-FR" sz="1400" b="1" dirty="0"/>
+              <a:t>Identification des dérives</a:t>
             </a:r>
           </a:p>
         </p:txBody>
@@ -15678,8 +15669,8 @@
         </p:nvSpPr>
         <p:spPr>
           <a:xfrm>
-            <a:off x="7563980" y="3422286"/>
-            <a:ext cx="4628020" cy="393192"/>
+            <a:off x="9754156" y="2858888"/>
+            <a:ext cx="1204376" cy="393192"/>
           </a:xfrm>
           <a:prstGeom prst="roundRect">
             <a:avLst/>
@@ -15745,8 +15736,8 @@
         </p:nvSpPr>
         <p:spPr>
           <a:xfrm>
-            <a:off x="8528474" y="3394949"/>
-            <a:ext cx="1204376" cy="400110"/>
+            <a:off x="9717262" y="2901596"/>
+            <a:ext cx="926530" cy="307777"/>
           </a:xfrm>
           <a:prstGeom prst="rect">
             <a:avLst/>
@@ -15760,7 +15751,7 @@
           <a:lstStyle/>
           <a:p>
             <a:r>
-              <a:rPr lang="fr-FR" sz="2000" b="1" dirty="0"/>
+              <a:rPr lang="fr-FR" sz="1400" b="1" dirty="0"/>
               <a:t>La suite…</a:t>
             </a:r>
           </a:p>
@@ -15854,6 +15845,92 @@
                 <a:schemeClr val="tx1"/>
               </a:solidFill>
             </a:endParaRPr>
+          </a:p>
+        </p:txBody>
+      </p:sp>
+      <p:sp>
+        <p:nvSpPr>
+          <p:cNvPr id="5" name="Rectangle : coins arrondis 4">
+            <a:extLst>
+              <a:ext uri="{FF2B5EF4-FFF2-40B4-BE49-F238E27FC236}">
+                <a16:creationId xmlns:a16="http://schemas.microsoft.com/office/drawing/2014/main" id="{F30D69C0-A6BE-6D19-3E0D-5D8E9195F3C6}"/>
+              </a:ext>
+            </a:extLst>
+          </p:cNvPr>
+          <p:cNvSpPr/>
+          <p:nvPr/>
+        </p:nvSpPr>
+        <p:spPr>
+          <a:xfrm>
+            <a:off x="7283647" y="2858889"/>
+            <a:ext cx="2422657" cy="393192"/>
+          </a:xfrm>
+          <a:prstGeom prst="roundRect">
+            <a:avLst/>
+          </a:prstGeom>
+          <a:ln>
+            <a:solidFill>
+              <a:schemeClr val="accent1"/>
+            </a:solidFill>
+          </a:ln>
+        </p:spPr>
+        <p:style>
+          <a:lnRef idx="2">
+            <a:schemeClr val="accent1">
+              <a:shade val="15000"/>
+            </a:schemeClr>
+          </a:lnRef>
+          <a:fillRef idx="1">
+            <a:schemeClr val="accent1"/>
+          </a:fillRef>
+          <a:effectRef idx="0">
+            <a:schemeClr val="accent1"/>
+          </a:effectRef>
+          <a:fontRef idx="minor">
+            <a:schemeClr val="lt1"/>
+          </a:fontRef>
+        </p:style>
+        <p:txBody>
+          <a:bodyPr rtlCol="0" anchor="ctr"/>
+          <a:lstStyle/>
+          <a:p>
+            <a:pPr algn="ctr"/>
+            <a:endParaRPr lang="fr-FR" dirty="0"/>
+          </a:p>
+        </p:txBody>
+      </p:sp>
+      <p:sp>
+        <p:nvSpPr>
+          <p:cNvPr id="9" name="ZoneTexte 8">
+            <a:extLst>
+              <a:ext uri="{FF2B5EF4-FFF2-40B4-BE49-F238E27FC236}">
+                <a16:creationId xmlns:a16="http://schemas.microsoft.com/office/drawing/2014/main" id="{215AEA0C-0BF6-A6F8-196E-E07946818DEA}"/>
+              </a:ext>
+            </a:extLst>
+          </p:cNvPr>
+          <p:cNvSpPr txBox="1"/>
+          <p:nvPr/>
+        </p:nvSpPr>
+        <p:spPr>
+          <a:xfrm>
+            <a:off x="7490336" y="2893305"/>
+            <a:ext cx="2076276" cy="307777"/>
+          </a:xfrm>
+          <a:prstGeom prst="rect">
+            <a:avLst/>
+          </a:prstGeom>
+          <a:noFill/>
+        </p:spPr>
+        <p:txBody>
+          <a:bodyPr wrap="square" rtlCol="0">
+            <a:spAutoFit/>
+          </a:bodyPr>
+          <a:lstStyle/>
+          <a:p>
+            <a:r>
+              <a:rPr lang="fr-FR" sz="1400" b="1" dirty="0"/>
+              <a:t>Classification des causes</a:t>
+            </a:r>
           </a:p>
         </p:txBody>
       </p:sp>
@@ -16321,7 +16398,7 @@
             </a:pPr>
             <a:r>
               <a:rPr lang="fr-FR" dirty="0"/>
-              <a:t>On collecte des données liées à la classification voulue, mais dans un état brut.</a:t>
+              <a:t>des données liées à la classification / régression voulue, mais dans un état brut.</a:t>
             </a:r>
           </a:p>
         </p:txBody>
@@ -16442,7 +16519,15 @@
           <a:p>
             <a:r>
               <a:rPr lang="fr-FR" dirty="0"/>
-              <a:t>Nettoyer, formater et enrichir les données pour y ajouter de l’intelligence. Il faut établir une correspondance entre collecte et scénarios.</a:t>
+              <a:t>Nettoyer, formater et enrichir les données pour y ajouter de l’intelligence. Il faut établir une corrélation entre les données et le trait à </a:t>
+            </a:r>
+            <a:r>
+              <a:rPr lang="fr-FR" dirty="0" err="1"/>
+              <a:t>prédir</a:t>
+            </a:r>
+            <a:r>
+              <a:rPr lang="fr-FR" dirty="0"/>
+              <a:t>.</a:t>
             </a:r>
           </a:p>
         </p:txBody>
@@ -17273,7 +17358,7 @@
           <a:p>
             <a:r>
               <a:rPr lang="fr-FR" dirty="0"/>
-              <a:t>Un MLP est une architecture de Deep Learning performante dans les problèmes de classification.</a:t>
+              <a:t>Un MLP est une architecture de Deep Learning performante dans les problèmes de classification et de régression.</a:t>
             </a:r>
           </a:p>
         </p:txBody>
@@ -20712,6 +20797,15 @@
 </file>
 
 <file path=customXml/item1.xml><?xml version="1.0" encoding="utf-8"?>
+<?mso-contentType ?>
+<FormTemplates xmlns="http://schemas.microsoft.com/sharepoint/v3/contenttype/forms">
+  <Display>DocumentLibraryForm</Display>
+  <Edit>DocumentLibraryForm</Edit>
+  <New>DocumentLibraryForm</New>
+</FormTemplates>
+</file>
+
+<file path=customXml/item2.xml><?xml version="1.0" encoding="utf-8"?>
 <p:properties xmlns:p="http://schemas.microsoft.com/office/2006/metadata/properties" xmlns:xsi="http://www.w3.org/2001/XMLSchema-instance" xmlns:pc="http://schemas.microsoft.com/office/infopath/2007/PartnerControls">
   <documentManagement>
     <TaxCatchAll xmlns="58c8bab9-9212-4b5d-a134-93943b829900" xsi:nil="true"/>
@@ -20726,15 +20820,6 @@
     <_Flow_SignoffStatus xmlns="50c3a41c-27e2-4383-991d-a30591c39720" xsi:nil="true"/>
   </documentManagement>
 </p:properties>
-</file>
-
-<file path=customXml/item2.xml><?xml version="1.0" encoding="utf-8"?>
-<?mso-contentType ?>
-<FormTemplates xmlns="http://schemas.microsoft.com/sharepoint/v3/contenttype/forms">
-  <Display>DocumentLibraryForm</Display>
-  <Edit>DocumentLibraryForm</Edit>
-  <New>DocumentLibraryForm</New>
-</FormTemplates>
 </file>
 
 <file path=customXml/item3.xml><?xml version="1.0" encoding="utf-8"?>
@@ -21024,6 +21109,14 @@
 </file>
 
 <file path=customXml/itemProps1.xml><?xml version="1.0" encoding="utf-8"?>
+<ds:datastoreItem xmlns:ds="http://schemas.openxmlformats.org/officeDocument/2006/customXml" ds:itemID="{849F78F1-AB73-412D-BD62-E6812BF25EB9}">
+  <ds:schemaRefs>
+    <ds:schemaRef ds:uri="http://schemas.microsoft.com/sharepoint/v3/contenttype/forms"/>
+  </ds:schemaRefs>
+</ds:datastoreItem>
+</file>
+
+<file path=customXml/itemProps2.xml><?xml version="1.0" encoding="utf-8"?>
 <ds:datastoreItem xmlns:ds="http://schemas.openxmlformats.org/officeDocument/2006/customXml" ds:itemID="{860F7B7D-AB32-4F85-A39D-4A9691A932EE}">
   <ds:schemaRefs>
     <ds:schemaRef ds:uri="58c8bab9-9212-4b5d-a134-93943b829900"/>
@@ -21036,14 +21129,6 @@
     <ds:schemaRef ds:uri="50c3a41c-27e2-4383-991d-a30591c39720"/>
     <ds:schemaRef ds:uri="http://schemas.microsoft.com/office/infopath/2007/PartnerControls"/>
     <ds:schemaRef ds:uri="http://purl.org/dc/dcmitype/"/>
-  </ds:schemaRefs>
-</ds:datastoreItem>
-</file>
-
-<file path=customXml/itemProps2.xml><?xml version="1.0" encoding="utf-8"?>
-<ds:datastoreItem xmlns:ds="http://schemas.openxmlformats.org/officeDocument/2006/customXml" ds:itemID="{849F78F1-AB73-412D-BD62-E6812BF25EB9}">
-  <ds:schemaRefs>
-    <ds:schemaRef ds:uri="http://schemas.microsoft.com/sharepoint/v3/contenttype/forms"/>
   </ds:schemaRefs>
 </ds:datastoreItem>
 </file>
